--- a/bao cao.pptx
+++ b/bao cao.pptx
@@ -14,6 +14,7 @@
     <p:sldId id="262" r:id="rId8"/>
     <p:sldId id="263" r:id="rId9"/>
     <p:sldId id="264" r:id="rId10"/>
+    <p:sldId id="270" r:id="rId11"/>
   </p:sldIdLst>
   <p:sldSz cx="12192000" cy="6858000"/>
   <p:notesSz cx="6858000" cy="9144000"/>
@@ -112,6 +113,11 @@
       </a:defRPr>
     </a:lvl9pPr>
   </p:defaultTextStyle>
+  <p:extLst>
+    <p:ext uri="{EFAFB233-063F-42B5-8137-9DF3F51BA10A}">
+      <p15:sldGuideLst xmlns:p15="http://schemas.microsoft.com/office/powerpoint/2012/main"/>
+    </p:ext>
+  </p:extLst>
 </p:presentation>
 </file>
 
@@ -6756,6 +6762,84 @@
 </p:sld>
 </file>
 
+<file path=ppt/slides/slide10.xml><?xml version="1.0" encoding="utf-8"?>
+<p:sld xmlns:a="http://schemas.openxmlformats.org/drawingml/2006/main" xmlns:r="http://schemas.openxmlformats.org/officeDocument/2006/relationships" xmlns:p="http://schemas.openxmlformats.org/presentationml/2006/main">
+  <p:cSld>
+    <p:spTree>
+      <p:nvGrpSpPr>
+        <p:cNvPr id="1" name=""/>
+        <p:cNvGrpSpPr/>
+        <p:nvPr/>
+      </p:nvGrpSpPr>
+      <p:grpSpPr>
+        <a:xfrm>
+          <a:off x="0" y="0"/>
+          <a:ext cx="0" cy="0"/>
+          <a:chOff x="0" y="0"/>
+          <a:chExt cx="0" cy="0"/>
+        </a:xfrm>
+      </p:grpSpPr>
+      <p:sp>
+        <p:nvSpPr>
+          <p:cNvPr id="4" name="TextBox 3"/>
+          <p:cNvSpPr txBox="1"/>
+          <p:nvPr/>
+        </p:nvSpPr>
+        <p:spPr>
+          <a:xfrm>
+            <a:off x="999407" y="2414556"/>
+            <a:ext cx="10487743" cy="923330"/>
+          </a:xfrm>
+          <a:prstGeom prst="rect">
+            <a:avLst/>
+          </a:prstGeom>
+          <a:noFill/>
+          <a:ln>
+            <a:solidFill>
+              <a:schemeClr val="tx1">
+                <a:lumMod val="50000"/>
+              </a:schemeClr>
+            </a:solidFill>
+          </a:ln>
+        </p:spPr>
+        <p:txBody>
+          <a:bodyPr wrap="square" rtlCol="0">
+            <a:spAutoFit/>
+          </a:bodyPr>
+          <a:lstStyle/>
+          <a:p>
+            <a:r>
+              <a:rPr lang="en-US" sz="5400" smtClean="0">
+                <a:latin typeface="+mj-lt"/>
+              </a:rPr>
+              <a:t>RỖNG</a:t>
+            </a:r>
+            <a:endParaRPr lang="en-US" sz="5400">
+              <a:latin typeface="+mj-lt"/>
+            </a:endParaRPr>
+          </a:p>
+        </p:txBody>
+      </p:sp>
+    </p:spTree>
+    <p:extLst>
+      <p:ext uri="{BB962C8B-B14F-4D97-AF65-F5344CB8AC3E}">
+        <p14:creationId xmlns:p14="http://schemas.microsoft.com/office/powerpoint/2010/main" val="3208583774"/>
+      </p:ext>
+    </p:extLst>
+  </p:cSld>
+  <p:clrMapOvr>
+    <a:masterClrMapping/>
+  </p:clrMapOvr>
+  <p:timing>
+    <p:tnLst>
+      <p:par>
+        <p:cTn id="1" dur="indefinite" restart="never" nodeType="tmRoot"/>
+      </p:par>
+    </p:tnLst>
+  </p:timing>
+</p:sld>
+</file>
+
 <file path=ppt/slides/slide2.xml><?xml version="1.0" encoding="utf-8"?>
 <p:sld xmlns:a="http://schemas.openxmlformats.org/drawingml/2006/main" xmlns:r="http://schemas.openxmlformats.org/officeDocument/2006/relationships" xmlns:p="http://schemas.openxmlformats.org/presentationml/2006/main">
   <p:cSld>
@@ -7999,9 +8083,6 @@
               </a:rPr>
               <a:t>1.3 Hàm chuyển trạng thái mở rộng</a:t>
             </a:r>
-            <a:endParaRPr lang="en-US" sz="3600">
-              <a:latin typeface="Times New Roman (Headings)"/>
-            </a:endParaRPr>
           </a:p>
         </p:txBody>
       </p:sp>
@@ -8566,15 +8647,7 @@
                   <a:schemeClr val="tx1"/>
                 </a:solidFill>
               </a:rPr>
-              <a:t>q, a) là tập hợp tất cả các trạng thái p sao cho có phép chuyển trên nhãn a từ trạng thái q tới </a:t>
-            </a:r>
-            <a:r>
-              <a:rPr lang="vi-VN" sz="2400" cap="none">
-                <a:solidFill>
-                  <a:schemeClr val="tx1"/>
-                </a:solidFill>
-              </a:rPr>
-              <a:t>p</a:t>
+              <a:t>q, a) là tập hợp tất cả các trạng thái p sao cho có phép chuyển trên nhãn a từ trạng thái q tới p</a:t>
             </a:r>
             <a:r>
               <a:rPr lang="vi-VN" sz="2400" cap="none" smtClean="0">
@@ -9009,13 +9082,7 @@
               <a:rPr lang="vi-VN" sz="2400">
                 <a:latin typeface="+mj-lt"/>
               </a:rPr>
-              <a:t>δ(q, ε) = </a:t>
-            </a:r>
-            <a:r>
-              <a:rPr lang="vi-VN" sz="2400">
-                <a:latin typeface="+mj-lt"/>
-              </a:rPr>
-              <a:t>{</a:t>
+              <a:t>δ(q, ε) = {</a:t>
             </a:r>
             <a:r>
               <a:rPr lang="vi-VN" sz="2400" smtClean="0">
@@ -9042,43 +9109,31 @@
               <a:rPr lang="vi-VN" sz="2400">
                 <a:latin typeface="+mj-lt"/>
               </a:rPr>
-              <a:t>, wa) = { p | có một trạng thái r trong δ(q, w) mà p thuộc δ(r, </a:t>
+              <a:t>, wa) = { p | có một trạng thái r trong δ(q, w) mà p thuộc δ(r, a</a:t>
+            </a:r>
+            <a:r>
+              <a:rPr lang="vi-VN" sz="2400" smtClean="0">
+                <a:latin typeface="+mj-lt"/>
+              </a:rPr>
+              <a:t>)}</a:t>
+            </a:r>
+            <a:r>
+              <a:rPr lang="en-US" sz="2400">
+                <a:latin typeface="+mj-lt"/>
+              </a:rPr>
+              <a:t> </a:t>
+            </a:r>
+            <a:r>
+              <a:rPr lang="vi-VN" sz="2400" smtClean="0">
+                <a:latin typeface="+mj-lt"/>
+              </a:rPr>
+              <a:t>= </a:t>
             </a:r>
             <a:r>
               <a:rPr lang="vi-VN" sz="2400">
                 <a:latin typeface="+mj-lt"/>
               </a:rPr>
-              <a:t>a</a:t>
-            </a:r>
-            <a:r>
-              <a:rPr lang="vi-VN" sz="2400" smtClean="0">
-                <a:latin typeface="+mj-lt"/>
-              </a:rPr>
-              <a:t>)}</a:t>
-            </a:r>
-            <a:r>
-              <a:rPr lang="en-US" sz="2400">
-                <a:latin typeface="+mj-lt"/>
-              </a:rPr>
-              <a:t> </a:t>
-            </a:r>
-            <a:r>
-              <a:rPr lang="vi-VN" sz="2400" smtClean="0">
-                <a:latin typeface="+mj-lt"/>
-              </a:rPr>
-              <a:t>= </a:t>
-            </a:r>
-            <a:r>
-              <a:rPr lang="vi-VN" sz="2400">
-                <a:latin typeface="+mj-lt"/>
-              </a:rPr>
-              <a:t>δ(δ(q, w</a:t>
-            </a:r>
-            <a:r>
-              <a:rPr lang="vi-VN" sz="2400">
-                <a:latin typeface="+mj-lt"/>
-              </a:rPr>
-              <a:t>), </a:t>
+              <a:t>δ(δ(q, w), </a:t>
             </a:r>
             <a:r>
               <a:rPr lang="vi-VN" sz="2400" smtClean="0">
@@ -9117,13 +9172,7 @@
               <a:rPr lang="vi-VN" sz="2400">
                 <a:latin typeface="+mj-lt"/>
               </a:rPr>
-              <a:t>Ngôn ngữ L(M), với M là ôtômát hữu hạn không đơn định NFA (Q, Σ, δ, q0, F) là tập hợp: L(M) = {w | δ(q0, w) có chứa một trạng thái trong </a:t>
-            </a:r>
-            <a:r>
-              <a:rPr lang="vi-VN" sz="2400">
-                <a:latin typeface="+mj-lt"/>
-              </a:rPr>
-              <a:t>F </a:t>
+              <a:t>Ngôn ngữ L(M), với M là ôtômát hữu hạn không đơn định NFA (Q, Σ, δ, q0, F) là tập hợp: L(M) = {w | δ(q0, w) có chứa một trạng thái trong F </a:t>
             </a:r>
             <a:r>
               <a:rPr lang="vi-VN" sz="2400" smtClean="0">

--- a/bao cao.pptx
+++ b/bao cao.pptx
@@ -163,7 +163,7 @@
           </a:lstStyle>
           <a:p>
             <a:r>
-              <a:rPr lang="en-US" smtClean="0"/>
+              <a:rPr lang="en-US"/>
               <a:t>Click to edit Master title style</a:t>
             </a:r>
             <a:endParaRPr lang="en-US" dirty="0"/>
@@ -283,7 +283,7 @@
           </a:lstStyle>
           <a:p>
             <a:r>
-              <a:rPr lang="en-US" smtClean="0"/>
+              <a:rPr lang="en-US"/>
               <a:t>Click to edit Master subtitle style</a:t>
             </a:r>
             <a:endParaRPr lang="en-US" dirty="0"/>
@@ -308,7 +308,7 @@
             <a:fld id="{B61BEF0D-F0BB-DE4B-95CE-6DB70DBA9567}" type="datetimeFigureOut">
               <a:rPr lang="en-US" smtClean="0"/>
               <a:pPr/>
-              <a:t>7/2/2020</a:t>
+              <a:t>05/07/2020</a:t>
             </a:fld>
             <a:endParaRPr lang="en-US"/>
           </a:p>
@@ -414,7 +414,7 @@
           </a:lstStyle>
           <a:p>
             <a:r>
-              <a:rPr lang="en-US" smtClean="0"/>
+              <a:rPr lang="en-US"/>
               <a:t>Click to edit Master title style</a:t>
             </a:r>
             <a:endParaRPr lang="en-US" dirty="0"/>
@@ -493,10 +493,9 @@
           </a:lstStyle>
           <a:p>
             <a:r>
-              <a:rPr lang="en-US" smtClean="0"/>
+              <a:rPr lang="en-US"/>
               <a:t>Click icon to add picture</a:t>
             </a:r>
-            <a:endParaRPr lang="en-US"/>
           </a:p>
         </p:txBody>
       </p:sp>
@@ -561,7 +560,7 @@
           <a:p>
             <a:pPr lvl="0"/>
             <a:r>
-              <a:rPr lang="en-US" smtClean="0"/>
+              <a:rPr lang="en-US"/>
               <a:t>Edit Master text styles</a:t>
             </a:r>
           </a:p>
@@ -585,7 +584,7 @@
             <a:fld id="{B61BEF0D-F0BB-DE4B-95CE-6DB70DBA9567}" type="datetimeFigureOut">
               <a:rPr lang="en-US" smtClean="0"/>
               <a:pPr/>
-              <a:t>7/2/2020</a:t>
+              <a:t>05/07/2020</a:t>
             </a:fld>
             <a:endParaRPr lang="en-US"/>
           </a:p>
@@ -689,7 +688,7 @@
           </a:lstStyle>
           <a:p>
             <a:r>
-              <a:rPr lang="en-US" smtClean="0"/>
+              <a:rPr lang="en-US"/>
               <a:t>Click to edit Master title style</a:t>
             </a:r>
             <a:endParaRPr lang="en-US" dirty="0"/>
@@ -757,7 +756,7 @@
           <a:p>
             <a:pPr lvl="0"/>
             <a:r>
-              <a:rPr lang="en-US" smtClean="0"/>
+              <a:rPr lang="en-US"/>
               <a:t>Edit Master text styles</a:t>
             </a:r>
           </a:p>
@@ -781,7 +780,7 @@
             <a:fld id="{B61BEF0D-F0BB-DE4B-95CE-6DB70DBA9567}" type="datetimeFigureOut">
               <a:rPr lang="en-US" smtClean="0"/>
               <a:pPr/>
-              <a:t>7/2/2020</a:t>
+              <a:t>05/07/2020</a:t>
             </a:fld>
             <a:endParaRPr lang="en-US"/>
           </a:p>
@@ -885,7 +884,7 @@
           </a:lstStyle>
           <a:p>
             <a:r>
-              <a:rPr lang="en-US" smtClean="0"/>
+              <a:rPr lang="en-US"/>
               <a:t>Click to edit Master title style</a:t>
             </a:r>
             <a:endParaRPr lang="en-US" dirty="0"/>
@@ -965,7 +964,7 @@
               <a:buNone/>
             </a:pPr>
             <a:r>
-              <a:rPr lang="en-US" smtClean="0"/>
+              <a:rPr lang="en-US"/>
               <a:t>Edit Master text styles</a:t>
             </a:r>
           </a:p>
@@ -1032,7 +1031,7 @@
           <a:p>
             <a:pPr lvl="0"/>
             <a:r>
-              <a:rPr lang="en-US" smtClean="0"/>
+              <a:rPr lang="en-US"/>
               <a:t>Edit Master text styles</a:t>
             </a:r>
           </a:p>
@@ -1056,7 +1055,7 @@
             <a:fld id="{B61BEF0D-F0BB-DE4B-95CE-6DB70DBA9567}" type="datetimeFigureOut">
               <a:rPr lang="en-US" smtClean="0"/>
               <a:pPr/>
-              <a:t>7/2/2020</a:t>
+              <a:t>05/07/2020</a:t>
             </a:fld>
             <a:endParaRPr lang="en-US"/>
           </a:p>
@@ -1254,7 +1253,7 @@
           </a:lstStyle>
           <a:p>
             <a:r>
-              <a:rPr lang="en-US" smtClean="0"/>
+              <a:rPr lang="en-US"/>
               <a:t>Click to edit Master title style</a:t>
             </a:r>
             <a:endParaRPr lang="en-US" dirty="0"/>
@@ -1375,7 +1374,7 @@
           <a:p>
             <a:pPr lvl="0"/>
             <a:r>
-              <a:rPr lang="en-US" smtClean="0"/>
+              <a:rPr lang="en-US"/>
               <a:t>Edit Master text styles</a:t>
             </a:r>
           </a:p>
@@ -1399,7 +1398,7 @@
             <a:fld id="{B61BEF0D-F0BB-DE4B-95CE-6DB70DBA9567}" type="datetimeFigureOut">
               <a:rPr lang="en-US" smtClean="0"/>
               <a:pPr/>
-              <a:t>7/2/2020</a:t>
+              <a:t>05/07/2020</a:t>
             </a:fld>
             <a:endParaRPr lang="en-US"/>
           </a:p>
@@ -1498,7 +1497,7 @@
           </a:lstStyle>
           <a:p>
             <a:r>
-              <a:rPr lang="en-US" smtClean="0"/>
+              <a:rPr lang="en-US"/>
               <a:t>Click to edit Master title style</a:t>
             </a:r>
             <a:endParaRPr lang="en-US" dirty="0"/>
@@ -1573,7 +1572,7 @@
           <a:p>
             <a:pPr lvl="0"/>
             <a:r>
-              <a:rPr lang="en-US" smtClean="0"/>
+              <a:rPr lang="en-US"/>
               <a:t>Edit Master text styles</a:t>
             </a:r>
           </a:p>
@@ -1640,7 +1639,7 @@
           <a:p>
             <a:pPr lvl="0"/>
             <a:r>
-              <a:rPr lang="en-US" smtClean="0"/>
+              <a:rPr lang="en-US"/>
               <a:t>Edit Master text styles</a:t>
             </a:r>
           </a:p>
@@ -1714,7 +1713,7 @@
           <a:p>
             <a:pPr lvl="0"/>
             <a:r>
-              <a:rPr lang="en-US" smtClean="0"/>
+              <a:rPr lang="en-US"/>
               <a:t>Edit Master text styles</a:t>
             </a:r>
           </a:p>
@@ -1781,7 +1780,7 @@
           <a:p>
             <a:pPr lvl="0"/>
             <a:r>
-              <a:rPr lang="en-US" smtClean="0"/>
+              <a:rPr lang="en-US"/>
               <a:t>Edit Master text styles</a:t>
             </a:r>
           </a:p>
@@ -1855,7 +1854,7 @@
           <a:p>
             <a:pPr lvl="0"/>
             <a:r>
-              <a:rPr lang="en-US" smtClean="0"/>
+              <a:rPr lang="en-US"/>
               <a:t>Edit Master text styles</a:t>
             </a:r>
           </a:p>
@@ -1922,7 +1921,7 @@
           <a:p>
             <a:pPr lvl="0"/>
             <a:r>
-              <a:rPr lang="en-US" smtClean="0"/>
+              <a:rPr lang="en-US"/>
               <a:t>Edit Master text styles</a:t>
             </a:r>
           </a:p>
@@ -2024,7 +2023,7 @@
             <a:fld id="{B61BEF0D-F0BB-DE4B-95CE-6DB70DBA9567}" type="datetimeFigureOut">
               <a:rPr lang="en-US" smtClean="0"/>
               <a:pPr/>
-              <a:t>7/2/2020</a:t>
+              <a:t>05/07/2020</a:t>
             </a:fld>
             <a:endParaRPr lang="en-US"/>
           </a:p>
@@ -2123,7 +2122,7 @@
           </a:lstStyle>
           <a:p>
             <a:r>
-              <a:rPr lang="en-US" smtClean="0"/>
+              <a:rPr lang="en-US"/>
               <a:t>Click to edit Master title style</a:t>
             </a:r>
             <a:endParaRPr lang="en-US" dirty="0"/>
@@ -2198,7 +2197,7 @@
           <a:p>
             <a:pPr lvl="0"/>
             <a:r>
-              <a:rPr lang="en-US" smtClean="0"/>
+              <a:rPr lang="en-US"/>
               <a:t>Edit Master text styles</a:t>
             </a:r>
           </a:p>
@@ -2276,10 +2275,9 @@
           </a:lstStyle>
           <a:p>
             <a:r>
-              <a:rPr lang="en-US" smtClean="0"/>
+              <a:rPr lang="en-US"/>
               <a:t>Click icon to add picture</a:t>
             </a:r>
-            <a:endParaRPr lang="en-US"/>
           </a:p>
         </p:txBody>
       </p:sp>
@@ -2344,7 +2342,7 @@
           <a:p>
             <a:pPr lvl="0"/>
             <a:r>
-              <a:rPr lang="en-US" smtClean="0"/>
+              <a:rPr lang="en-US"/>
               <a:t>Edit Master text styles</a:t>
             </a:r>
           </a:p>
@@ -2418,7 +2416,7 @@
           <a:p>
             <a:pPr lvl="0"/>
             <a:r>
-              <a:rPr lang="en-US" smtClean="0"/>
+              <a:rPr lang="en-US"/>
               <a:t>Edit Master text styles</a:t>
             </a:r>
           </a:p>
@@ -2496,10 +2494,9 @@
           </a:lstStyle>
           <a:p>
             <a:r>
-              <a:rPr lang="en-US" smtClean="0"/>
+              <a:rPr lang="en-US"/>
               <a:t>Click icon to add picture</a:t>
             </a:r>
-            <a:endParaRPr lang="en-US"/>
           </a:p>
         </p:txBody>
       </p:sp>
@@ -2564,7 +2561,7 @@
           <a:p>
             <a:pPr lvl="0"/>
             <a:r>
-              <a:rPr lang="en-US" smtClean="0"/>
+              <a:rPr lang="en-US"/>
               <a:t>Edit Master text styles</a:t>
             </a:r>
           </a:p>
@@ -2638,7 +2635,7 @@
           <a:p>
             <a:pPr lvl="0"/>
             <a:r>
-              <a:rPr lang="en-US" smtClean="0"/>
+              <a:rPr lang="en-US"/>
               <a:t>Edit Master text styles</a:t>
             </a:r>
           </a:p>
@@ -2716,10 +2713,9 @@
           </a:lstStyle>
           <a:p>
             <a:r>
-              <a:rPr lang="en-US" smtClean="0"/>
+              <a:rPr lang="en-US"/>
               <a:t>Click icon to add picture</a:t>
             </a:r>
-            <a:endParaRPr lang="en-US"/>
           </a:p>
         </p:txBody>
       </p:sp>
@@ -2784,7 +2780,7 @@
           <a:p>
             <a:pPr lvl="0"/>
             <a:r>
-              <a:rPr lang="en-US" smtClean="0"/>
+              <a:rPr lang="en-US"/>
               <a:t>Edit Master text styles</a:t>
             </a:r>
           </a:p>
@@ -2886,7 +2882,7 @@
             <a:fld id="{B61BEF0D-F0BB-DE4B-95CE-6DB70DBA9567}" type="datetimeFigureOut">
               <a:rPr lang="en-US" smtClean="0"/>
               <a:pPr/>
-              <a:t>7/2/2020</a:t>
+              <a:t>05/07/2020</a:t>
             </a:fld>
             <a:endParaRPr lang="en-US"/>
           </a:p>
@@ -2981,7 +2977,7 @@
           <a:lstStyle/>
           <a:p>
             <a:r>
-              <a:rPr lang="en-US" smtClean="0"/>
+              <a:rPr lang="en-US"/>
               <a:t>Click to edit Master title style</a:t>
             </a:r>
             <a:endParaRPr lang="en-US" dirty="0"/>
@@ -3005,35 +3001,35 @@
           <a:p>
             <a:pPr lvl="0"/>
             <a:r>
-              <a:rPr lang="en-US" smtClean="0"/>
+              <a:rPr lang="en-US"/>
               <a:t>Edit Master text styles</a:t>
             </a:r>
           </a:p>
           <a:p>
             <a:pPr lvl="1"/>
             <a:r>
-              <a:rPr lang="en-US" smtClean="0"/>
+              <a:rPr lang="en-US"/>
               <a:t>Second level</a:t>
             </a:r>
           </a:p>
           <a:p>
             <a:pPr lvl="2"/>
             <a:r>
-              <a:rPr lang="en-US" smtClean="0"/>
+              <a:rPr lang="en-US"/>
               <a:t>Third level</a:t>
             </a:r>
           </a:p>
           <a:p>
             <a:pPr lvl="3"/>
             <a:r>
-              <a:rPr lang="en-US" smtClean="0"/>
+              <a:rPr lang="en-US"/>
               <a:t>Fourth level</a:t>
             </a:r>
           </a:p>
           <a:p>
             <a:pPr lvl="4"/>
             <a:r>
-              <a:rPr lang="en-US" smtClean="0"/>
+              <a:rPr lang="en-US"/>
               <a:t>Fifth level</a:t>
             </a:r>
             <a:endParaRPr lang="en-US" dirty="0"/>
@@ -3058,7 +3054,7 @@
             <a:fld id="{B61BEF0D-F0BB-DE4B-95CE-6DB70DBA9567}" type="datetimeFigureOut">
               <a:rPr lang="en-US" smtClean="0"/>
               <a:pPr/>
-              <a:t>7/2/2020</a:t>
+              <a:t>05/07/2020</a:t>
             </a:fld>
             <a:endParaRPr lang="en-US"/>
           </a:p>
@@ -3158,7 +3154,7 @@
           <a:lstStyle/>
           <a:p>
             <a:r>
-              <a:rPr lang="en-US" smtClean="0"/>
+              <a:rPr lang="en-US"/>
               <a:t>Click to edit Master title style</a:t>
             </a:r>
             <a:endParaRPr lang="en-US" dirty="0"/>
@@ -3187,35 +3183,35 @@
           <a:p>
             <a:pPr lvl="0"/>
             <a:r>
-              <a:rPr lang="en-US" smtClean="0"/>
+              <a:rPr lang="en-US"/>
               <a:t>Edit Master text styles</a:t>
             </a:r>
           </a:p>
           <a:p>
             <a:pPr lvl="1"/>
             <a:r>
-              <a:rPr lang="en-US" smtClean="0"/>
+              <a:rPr lang="en-US"/>
               <a:t>Second level</a:t>
             </a:r>
           </a:p>
           <a:p>
             <a:pPr lvl="2"/>
             <a:r>
-              <a:rPr lang="en-US" smtClean="0"/>
+              <a:rPr lang="en-US"/>
               <a:t>Third level</a:t>
             </a:r>
           </a:p>
           <a:p>
             <a:pPr lvl="3"/>
             <a:r>
-              <a:rPr lang="en-US" smtClean="0"/>
+              <a:rPr lang="en-US"/>
               <a:t>Fourth level</a:t>
             </a:r>
           </a:p>
           <a:p>
             <a:pPr lvl="4"/>
             <a:r>
-              <a:rPr lang="en-US" smtClean="0"/>
+              <a:rPr lang="en-US"/>
               <a:t>Fifth level</a:t>
             </a:r>
             <a:endParaRPr lang="en-US" dirty="0"/>
@@ -3240,7 +3236,7 @@
             <a:fld id="{B61BEF0D-F0BB-DE4B-95CE-6DB70DBA9567}" type="datetimeFigureOut">
               <a:rPr lang="en-US" smtClean="0"/>
               <a:pPr/>
-              <a:t>7/2/2020</a:t>
+              <a:t>05/07/2020</a:t>
             </a:fld>
             <a:endParaRPr lang="en-US"/>
           </a:p>
@@ -3335,7 +3331,7 @@
           <a:lstStyle/>
           <a:p>
             <a:r>
-              <a:rPr lang="en-US" smtClean="0"/>
+              <a:rPr lang="en-US"/>
               <a:t>Click to edit Master title style</a:t>
             </a:r>
             <a:endParaRPr lang="en-US" dirty="0"/>
@@ -3359,35 +3355,35 @@
           <a:p>
             <a:pPr lvl="0"/>
             <a:r>
-              <a:rPr lang="en-US" smtClean="0"/>
+              <a:rPr lang="en-US"/>
               <a:t>Edit Master text styles</a:t>
             </a:r>
           </a:p>
           <a:p>
             <a:pPr lvl="1"/>
             <a:r>
-              <a:rPr lang="en-US" smtClean="0"/>
+              <a:rPr lang="en-US"/>
               <a:t>Second level</a:t>
             </a:r>
           </a:p>
           <a:p>
             <a:pPr lvl="2"/>
             <a:r>
-              <a:rPr lang="en-US" smtClean="0"/>
+              <a:rPr lang="en-US"/>
               <a:t>Third level</a:t>
             </a:r>
           </a:p>
           <a:p>
             <a:pPr lvl="3"/>
             <a:r>
-              <a:rPr lang="en-US" smtClean="0"/>
+              <a:rPr lang="en-US"/>
               <a:t>Fourth level</a:t>
             </a:r>
           </a:p>
           <a:p>
             <a:pPr lvl="4"/>
             <a:r>
-              <a:rPr lang="en-US" smtClean="0"/>
+              <a:rPr lang="en-US"/>
               <a:t>Fifth level</a:t>
             </a:r>
             <a:endParaRPr lang="en-US" dirty="0"/>
@@ -3412,7 +3408,7 @@
             <a:fld id="{B61BEF0D-F0BB-DE4B-95CE-6DB70DBA9567}" type="datetimeFigureOut">
               <a:rPr lang="en-US" smtClean="0"/>
               <a:pPr/>
-              <a:t>7/2/2020</a:t>
+              <a:t>05/07/2020</a:t>
             </a:fld>
             <a:endParaRPr lang="en-US"/>
           </a:p>
@@ -3516,7 +3512,7 @@
           </a:lstStyle>
           <a:p>
             <a:r>
-              <a:rPr lang="en-US" smtClean="0"/>
+              <a:rPr lang="en-US"/>
               <a:t>Click to edit Master title style</a:t>
             </a:r>
             <a:endParaRPr lang="en-US" dirty="0"/>
@@ -3637,7 +3633,7 @@
           <a:p>
             <a:pPr lvl="0"/>
             <a:r>
-              <a:rPr lang="en-US" smtClean="0"/>
+              <a:rPr lang="en-US"/>
               <a:t>Edit Master text styles</a:t>
             </a:r>
           </a:p>
@@ -3661,7 +3657,7 @@
             <a:fld id="{B61BEF0D-F0BB-DE4B-95CE-6DB70DBA9567}" type="datetimeFigureOut">
               <a:rPr lang="en-US" smtClean="0"/>
               <a:pPr/>
-              <a:t>7/2/2020</a:t>
+              <a:t>05/07/2020</a:t>
             </a:fld>
             <a:endParaRPr lang="en-US"/>
           </a:p>
@@ -3756,7 +3752,7 @@
           <a:lstStyle/>
           <a:p>
             <a:r>
-              <a:rPr lang="en-US" smtClean="0"/>
+              <a:rPr lang="en-US"/>
               <a:t>Click to edit Master title style</a:t>
             </a:r>
             <a:endParaRPr lang="en-US" dirty="0"/>
@@ -3815,35 +3811,35 @@
           <a:p>
             <a:pPr lvl="0"/>
             <a:r>
-              <a:rPr lang="en-US" smtClean="0"/>
+              <a:rPr lang="en-US"/>
               <a:t>Edit Master text styles</a:t>
             </a:r>
           </a:p>
           <a:p>
             <a:pPr lvl="1"/>
             <a:r>
-              <a:rPr lang="en-US" smtClean="0"/>
+              <a:rPr lang="en-US"/>
               <a:t>Second level</a:t>
             </a:r>
           </a:p>
           <a:p>
             <a:pPr lvl="2"/>
             <a:r>
-              <a:rPr lang="en-US" smtClean="0"/>
+              <a:rPr lang="en-US"/>
               <a:t>Third level</a:t>
             </a:r>
           </a:p>
           <a:p>
             <a:pPr lvl="3"/>
             <a:r>
-              <a:rPr lang="en-US" smtClean="0"/>
+              <a:rPr lang="en-US"/>
               <a:t>Fourth level</a:t>
             </a:r>
           </a:p>
           <a:p>
             <a:pPr lvl="4"/>
             <a:r>
-              <a:rPr lang="en-US" smtClean="0"/>
+              <a:rPr lang="en-US"/>
               <a:t>Fifth level</a:t>
             </a:r>
             <a:endParaRPr lang="en-US" dirty="0"/>
@@ -3902,35 +3898,35 @@
           <a:p>
             <a:pPr lvl="0"/>
             <a:r>
-              <a:rPr lang="en-US" smtClean="0"/>
+              <a:rPr lang="en-US"/>
               <a:t>Edit Master text styles</a:t>
             </a:r>
           </a:p>
           <a:p>
             <a:pPr lvl="1"/>
             <a:r>
-              <a:rPr lang="en-US" smtClean="0"/>
+              <a:rPr lang="en-US"/>
               <a:t>Second level</a:t>
             </a:r>
           </a:p>
           <a:p>
             <a:pPr lvl="2"/>
             <a:r>
-              <a:rPr lang="en-US" smtClean="0"/>
+              <a:rPr lang="en-US"/>
               <a:t>Third level</a:t>
             </a:r>
           </a:p>
           <a:p>
             <a:pPr lvl="3"/>
             <a:r>
-              <a:rPr lang="en-US" smtClean="0"/>
+              <a:rPr lang="en-US"/>
               <a:t>Fourth level</a:t>
             </a:r>
           </a:p>
           <a:p>
             <a:pPr lvl="4"/>
             <a:r>
-              <a:rPr lang="en-US" smtClean="0"/>
+              <a:rPr lang="en-US"/>
               <a:t>Fifth level</a:t>
             </a:r>
             <a:endParaRPr lang="en-US" dirty="0"/>
@@ -3955,7 +3951,7 @@
             <a:fld id="{B61BEF0D-F0BB-DE4B-95CE-6DB70DBA9567}" type="datetimeFigureOut">
               <a:rPr lang="en-US" smtClean="0"/>
               <a:pPr/>
-              <a:t>7/2/2020</a:t>
+              <a:t>05/07/2020</a:t>
             </a:fld>
             <a:endParaRPr lang="en-US"/>
           </a:p>
@@ -4054,7 +4050,7 @@
           </a:lstStyle>
           <a:p>
             <a:r>
-              <a:rPr lang="en-US" smtClean="0"/>
+              <a:rPr lang="en-US"/>
               <a:t>Click to edit Master title style</a:t>
             </a:r>
             <a:endParaRPr lang="en-US" dirty="0"/>
@@ -4129,7 +4125,7 @@
           <a:p>
             <a:pPr lvl="0"/>
             <a:r>
-              <a:rPr lang="en-US" smtClean="0"/>
+              <a:rPr lang="en-US"/>
               <a:t>Edit Master text styles</a:t>
             </a:r>
           </a:p>
@@ -4187,35 +4183,35 @@
           <a:p>
             <a:pPr lvl="0"/>
             <a:r>
-              <a:rPr lang="en-US" smtClean="0"/>
+              <a:rPr lang="en-US"/>
               <a:t>Edit Master text styles</a:t>
             </a:r>
           </a:p>
           <a:p>
             <a:pPr lvl="1"/>
             <a:r>
-              <a:rPr lang="en-US" smtClean="0"/>
+              <a:rPr lang="en-US"/>
               <a:t>Second level</a:t>
             </a:r>
           </a:p>
           <a:p>
             <a:pPr lvl="2"/>
             <a:r>
-              <a:rPr lang="en-US" smtClean="0"/>
+              <a:rPr lang="en-US"/>
               <a:t>Third level</a:t>
             </a:r>
           </a:p>
           <a:p>
             <a:pPr lvl="3"/>
             <a:r>
-              <a:rPr lang="en-US" smtClean="0"/>
+              <a:rPr lang="en-US"/>
               <a:t>Fourth level</a:t>
             </a:r>
           </a:p>
           <a:p>
             <a:pPr lvl="4"/>
             <a:r>
-              <a:rPr lang="en-US" smtClean="0"/>
+              <a:rPr lang="en-US"/>
               <a:t>Fifth level</a:t>
             </a:r>
             <a:endParaRPr lang="en-US" dirty="0"/>
@@ -4290,7 +4286,7 @@
           <a:p>
             <a:pPr lvl="0"/>
             <a:r>
-              <a:rPr lang="en-US" smtClean="0"/>
+              <a:rPr lang="en-US"/>
               <a:t>Edit Master text styles</a:t>
             </a:r>
           </a:p>
@@ -4348,35 +4344,35 @@
           <a:p>
             <a:pPr lvl="0"/>
             <a:r>
-              <a:rPr lang="en-US" smtClean="0"/>
+              <a:rPr lang="en-US"/>
               <a:t>Edit Master text styles</a:t>
             </a:r>
           </a:p>
           <a:p>
             <a:pPr lvl="1"/>
             <a:r>
-              <a:rPr lang="en-US" smtClean="0"/>
+              <a:rPr lang="en-US"/>
               <a:t>Second level</a:t>
             </a:r>
           </a:p>
           <a:p>
             <a:pPr lvl="2"/>
             <a:r>
-              <a:rPr lang="en-US" smtClean="0"/>
+              <a:rPr lang="en-US"/>
               <a:t>Third level</a:t>
             </a:r>
           </a:p>
           <a:p>
             <a:pPr lvl="3"/>
             <a:r>
-              <a:rPr lang="en-US" smtClean="0"/>
+              <a:rPr lang="en-US"/>
               <a:t>Fourth level</a:t>
             </a:r>
           </a:p>
           <a:p>
             <a:pPr lvl="4"/>
             <a:r>
-              <a:rPr lang="en-US" smtClean="0"/>
+              <a:rPr lang="en-US"/>
               <a:t>Fifth level</a:t>
             </a:r>
             <a:endParaRPr lang="en-US" dirty="0"/>
@@ -4401,7 +4397,7 @@
             <a:fld id="{B61BEF0D-F0BB-DE4B-95CE-6DB70DBA9567}" type="datetimeFigureOut">
               <a:rPr lang="en-US" smtClean="0"/>
               <a:pPr/>
-              <a:t>7/2/2020</a:t>
+              <a:t>05/07/2020</a:t>
             </a:fld>
             <a:endParaRPr lang="en-US"/>
           </a:p>
@@ -4496,7 +4492,7 @@
           <a:lstStyle/>
           <a:p>
             <a:r>
-              <a:rPr lang="en-US" smtClean="0"/>
+              <a:rPr lang="en-US"/>
               <a:t>Click to edit Master title style</a:t>
             </a:r>
             <a:endParaRPr lang="en-US" dirty="0"/>
@@ -4521,7 +4517,7 @@
             <a:fld id="{B61BEF0D-F0BB-DE4B-95CE-6DB70DBA9567}" type="datetimeFigureOut">
               <a:rPr lang="en-US" smtClean="0"/>
               <a:pPr/>
-              <a:t>7/2/2020</a:t>
+              <a:t>05/07/2020</a:t>
             </a:fld>
             <a:endParaRPr lang="en-US"/>
           </a:p>
@@ -4618,7 +4614,7 @@
             <a:fld id="{B61BEF0D-F0BB-DE4B-95CE-6DB70DBA9567}" type="datetimeFigureOut">
               <a:rPr lang="en-US" smtClean="0"/>
               <a:pPr/>
-              <a:t>7/2/2020</a:t>
+              <a:t>05/07/2020</a:t>
             </a:fld>
             <a:endParaRPr lang="en-US"/>
           </a:p>
@@ -4722,7 +4718,7 @@
           </a:lstStyle>
           <a:p>
             <a:r>
-              <a:rPr lang="en-US" smtClean="0"/>
+              <a:rPr lang="en-US"/>
               <a:t>Click to edit Master title style</a:t>
             </a:r>
             <a:endParaRPr lang="en-US" dirty="0"/>
@@ -4781,35 +4777,35 @@
           <a:p>
             <a:pPr lvl="0"/>
             <a:r>
-              <a:rPr lang="en-US" smtClean="0"/>
+              <a:rPr lang="en-US"/>
               <a:t>Edit Master text styles</a:t>
             </a:r>
           </a:p>
           <a:p>
             <a:pPr lvl="1"/>
             <a:r>
-              <a:rPr lang="en-US" smtClean="0"/>
+              <a:rPr lang="en-US"/>
               <a:t>Second level</a:t>
             </a:r>
           </a:p>
           <a:p>
             <a:pPr lvl="2"/>
             <a:r>
-              <a:rPr lang="en-US" smtClean="0"/>
+              <a:rPr lang="en-US"/>
               <a:t>Third level</a:t>
             </a:r>
           </a:p>
           <a:p>
             <a:pPr lvl="3"/>
             <a:r>
-              <a:rPr lang="en-US" smtClean="0"/>
+              <a:rPr lang="en-US"/>
               <a:t>Fourth level</a:t>
             </a:r>
           </a:p>
           <a:p>
             <a:pPr lvl="4"/>
             <a:r>
-              <a:rPr lang="en-US" smtClean="0"/>
+              <a:rPr lang="en-US"/>
               <a:t>Fifth level</a:t>
             </a:r>
             <a:endParaRPr lang="en-US" dirty="0"/>
@@ -4875,7 +4871,7 @@
           <a:p>
             <a:pPr lvl="0"/>
             <a:r>
-              <a:rPr lang="en-US" smtClean="0"/>
+              <a:rPr lang="en-US"/>
               <a:t>Edit Master text styles</a:t>
             </a:r>
           </a:p>
@@ -4899,7 +4895,7 @@
             <a:fld id="{B61BEF0D-F0BB-DE4B-95CE-6DB70DBA9567}" type="datetimeFigureOut">
               <a:rPr lang="en-US" smtClean="0"/>
               <a:pPr/>
-              <a:t>7/2/2020</a:t>
+              <a:t>05/07/2020</a:t>
             </a:fld>
             <a:endParaRPr lang="en-US"/>
           </a:p>
@@ -5005,7 +5001,7 @@
           </a:lstStyle>
           <a:p>
             <a:r>
-              <a:rPr lang="en-US" smtClean="0"/>
+              <a:rPr lang="en-US"/>
               <a:t>Click to edit Master title style</a:t>
             </a:r>
             <a:endParaRPr lang="en-US" dirty="0"/>
@@ -5084,10 +5080,9 @@
           </a:lstStyle>
           <a:p>
             <a:r>
-              <a:rPr lang="en-US" smtClean="0"/>
+              <a:rPr lang="en-US"/>
               <a:t>Click icon to add picture</a:t>
             </a:r>
-            <a:endParaRPr lang="en-US"/>
           </a:p>
         </p:txBody>
       </p:sp>
@@ -5152,7 +5147,7 @@
           <a:p>
             <a:pPr lvl="0"/>
             <a:r>
-              <a:rPr lang="en-US" smtClean="0"/>
+              <a:rPr lang="en-US"/>
               <a:t>Edit Master text styles</a:t>
             </a:r>
           </a:p>
@@ -5176,7 +5171,7 @@
             <a:fld id="{B61BEF0D-F0BB-DE4B-95CE-6DB70DBA9567}" type="datetimeFigureOut">
               <a:rPr lang="en-US" smtClean="0"/>
               <a:pPr/>
-              <a:t>7/2/2020</a:t>
+              <a:t>05/07/2020</a:t>
             </a:fld>
             <a:endParaRPr lang="en-US"/>
           </a:p>
@@ -5501,7 +5496,7 @@
           <a:lstStyle/>
           <a:p>
             <a:r>
-              <a:rPr lang="en-US" smtClean="0"/>
+              <a:rPr lang="en-US"/>
               <a:t>Click to edit Master title style</a:t>
             </a:r>
             <a:endParaRPr lang="en-US" dirty="0"/>
@@ -5535,35 +5530,35 @@
           <a:p>
             <a:pPr lvl="0"/>
             <a:r>
-              <a:rPr lang="en-US" smtClean="0"/>
+              <a:rPr lang="en-US"/>
               <a:t>Edit Master text styles</a:t>
             </a:r>
           </a:p>
           <a:p>
             <a:pPr lvl="1"/>
             <a:r>
-              <a:rPr lang="en-US" smtClean="0"/>
+              <a:rPr lang="en-US"/>
               <a:t>Second level</a:t>
             </a:r>
           </a:p>
           <a:p>
             <a:pPr lvl="2"/>
             <a:r>
-              <a:rPr lang="en-US" smtClean="0"/>
+              <a:rPr lang="en-US"/>
               <a:t>Third level</a:t>
             </a:r>
           </a:p>
           <a:p>
             <a:pPr lvl="3"/>
             <a:r>
-              <a:rPr lang="en-US" smtClean="0"/>
+              <a:rPr lang="en-US"/>
               <a:t>Fourth level</a:t>
             </a:r>
           </a:p>
           <a:p>
             <a:pPr lvl="4"/>
             <a:r>
-              <a:rPr lang="en-US" smtClean="0"/>
+              <a:rPr lang="en-US"/>
               <a:t>Fifth level</a:t>
             </a:r>
             <a:endParaRPr lang="en-US" dirty="0"/>
@@ -5607,7 +5602,7 @@
             <a:fld id="{B61BEF0D-F0BB-DE4B-95CE-6DB70DBA9567}" type="datetimeFigureOut">
               <a:rPr lang="en-US" smtClean="0"/>
               <a:pPr/>
-              <a:t>7/2/2020</a:t>
+              <a:t>05/07/2020</a:t>
             </a:fld>
             <a:endParaRPr lang="en-US"/>
           </a:p>
@@ -6157,10 +6152,9 @@
           <a:lstStyle/>
           <a:p>
             <a:r>
-              <a:rPr lang="en-US" smtClean="0"/>
+              <a:rPr lang="en-US"/>
               <a:t>BÁO CÁO TIỂU LUẬN</a:t>
             </a:r>
-            <a:endParaRPr lang="en-US"/>
           </a:p>
         </p:txBody>
       </p:sp>
@@ -6187,7 +6181,7 @@
           <a:lstStyle/>
           <a:p>
             <a:r>
-              <a:rPr lang="en-US" sz="2800" err="1" smtClean="0">
+              <a:rPr lang="en-US" sz="2800" dirty="0" err="1">
                 <a:solidFill>
                   <a:schemeClr val="tx1"/>
                 </a:solidFill>
@@ -6197,7 +6191,7 @@
               <a:t>Đề</a:t>
             </a:r>
             <a:r>
-              <a:rPr lang="en-US" sz="2800" smtClean="0">
+              <a:rPr lang="en-US" sz="2800" dirty="0">
                 <a:solidFill>
                   <a:schemeClr val="tx1"/>
                 </a:solidFill>
@@ -6207,7 +6201,7 @@
               <a:t> </a:t>
             </a:r>
             <a:r>
-              <a:rPr lang="en-US" sz="2800" err="1" smtClean="0">
+              <a:rPr lang="en-US" sz="2800" dirty="0" err="1">
                 <a:solidFill>
                   <a:schemeClr val="tx1"/>
                 </a:solidFill>
@@ -6217,7 +6211,7 @@
               <a:t>tài</a:t>
             </a:r>
             <a:r>
-              <a:rPr lang="en-US" sz="2800" smtClean="0">
+              <a:rPr lang="en-US" sz="2800" dirty="0">
                 <a:solidFill>
                   <a:schemeClr val="tx1"/>
                 </a:solidFill>
@@ -6233,7 +6227,7 @@
               <a:buChar char="-"/>
             </a:pPr>
             <a:r>
-              <a:rPr lang="en-US" sz="2800" err="1" smtClean="0">
+              <a:rPr lang="en-US" sz="2800" dirty="0" err="1">
                 <a:solidFill>
                   <a:schemeClr val="tx1"/>
                 </a:solidFill>
@@ -6243,7 +6237,7 @@
               <a:t>Tìm</a:t>
             </a:r>
             <a:r>
-              <a:rPr lang="en-US" sz="2800" smtClean="0">
+              <a:rPr lang="en-US" sz="2800" dirty="0">
                 <a:solidFill>
                   <a:schemeClr val="tx1"/>
                 </a:solidFill>
@@ -6253,7 +6247,7 @@
               <a:t> </a:t>
             </a:r>
             <a:r>
-              <a:rPr lang="en-US" sz="2800" err="1" smtClean="0">
+              <a:rPr lang="en-US" sz="2800" dirty="0" err="1">
                 <a:solidFill>
                   <a:schemeClr val="tx1"/>
                 </a:solidFill>
@@ -6263,7 +6257,7 @@
               <a:t>hiểu</a:t>
             </a:r>
             <a:r>
-              <a:rPr lang="en-US" sz="2800" smtClean="0">
+              <a:rPr lang="en-US" sz="2800" dirty="0">
                 <a:solidFill>
                   <a:schemeClr val="tx1"/>
                 </a:solidFill>
@@ -6273,7 +6267,7 @@
               <a:t> </a:t>
             </a:r>
             <a:r>
-              <a:rPr lang="en-US" sz="2800" err="1" smtClean="0">
+              <a:rPr lang="en-US" sz="2800" dirty="0" err="1">
                 <a:solidFill>
                   <a:schemeClr val="tx1"/>
                 </a:solidFill>
@@ -6283,7 +6277,7 @@
               <a:t>về</a:t>
             </a:r>
             <a:r>
-              <a:rPr lang="en-US" sz="2800" smtClean="0">
+              <a:rPr lang="en-US" sz="2800" dirty="0">
                 <a:solidFill>
                   <a:schemeClr val="tx1"/>
                 </a:solidFill>
@@ -6293,7 +6287,7 @@
               <a:t> Automata </a:t>
             </a:r>
             <a:r>
-              <a:rPr lang="en-US" sz="2800" err="1" smtClean="0">
+              <a:rPr lang="en-US" sz="2800" dirty="0" err="1">
                 <a:solidFill>
                   <a:schemeClr val="tx1"/>
                 </a:solidFill>
@@ -6303,7 +6297,7 @@
               <a:t>hữu</a:t>
             </a:r>
             <a:r>
-              <a:rPr lang="en-US" sz="2800" smtClean="0">
+              <a:rPr lang="en-US" sz="2800" dirty="0">
                 <a:solidFill>
                   <a:schemeClr val="tx1"/>
                 </a:solidFill>
@@ -6313,7 +6307,7 @@
               <a:t> </a:t>
             </a:r>
             <a:r>
-              <a:rPr lang="en-US" sz="2800" err="1" smtClean="0">
+              <a:rPr lang="en-US" sz="2800" dirty="0" err="1">
                 <a:solidFill>
                   <a:schemeClr val="tx1"/>
                 </a:solidFill>
@@ -6322,7 +6316,7 @@
               </a:rPr>
               <a:t>hạn</a:t>
             </a:r>
-            <a:endParaRPr lang="en-US" sz="2800" smtClean="0">
+            <a:endParaRPr lang="en-US" sz="2800" dirty="0">
               <a:solidFill>
                 <a:schemeClr val="tx1"/>
               </a:solidFill>
@@ -6336,7 +6330,7 @@
               <a:buChar char="-"/>
             </a:pPr>
             <a:r>
-              <a:rPr lang="en-US" sz="2800" err="1" smtClean="0">
+              <a:rPr lang="en-US" sz="2800" dirty="0" err="1">
                 <a:solidFill>
                   <a:schemeClr val="tx1"/>
                 </a:solidFill>
@@ -6346,7 +6340,7 @@
               <a:t>Tìm</a:t>
             </a:r>
             <a:r>
-              <a:rPr lang="en-US" sz="2800" smtClean="0">
+              <a:rPr lang="en-US" sz="2800" dirty="0">
                 <a:solidFill>
                   <a:schemeClr val="tx1"/>
                 </a:solidFill>
@@ -6356,7 +6350,7 @@
               <a:t> FA </a:t>
             </a:r>
             <a:r>
-              <a:rPr lang="en-US" sz="2800" err="1" smtClean="0">
+              <a:rPr lang="en-US" sz="2800" dirty="0" err="1">
                 <a:solidFill>
                   <a:schemeClr val="tx1"/>
                 </a:solidFill>
@@ -6366,7 +6360,7 @@
               <a:t>đoán</a:t>
             </a:r>
             <a:r>
-              <a:rPr lang="en-US" sz="2800" smtClean="0">
+              <a:rPr lang="en-US" sz="2800" dirty="0">
                 <a:solidFill>
                   <a:schemeClr val="tx1"/>
                 </a:solidFill>
@@ -6376,7 +6370,7 @@
               <a:t> </a:t>
             </a:r>
             <a:r>
-              <a:rPr lang="en-US" sz="2800" err="1" smtClean="0">
+              <a:rPr lang="en-US" sz="2800" dirty="0" err="1">
                 <a:solidFill>
                   <a:schemeClr val="tx1"/>
                 </a:solidFill>
@@ -6386,7 +6380,7 @@
               <a:t>nhận</a:t>
             </a:r>
             <a:r>
-              <a:rPr lang="en-US" sz="2800" smtClean="0">
+              <a:rPr lang="en-US" sz="2800" dirty="0">
                 <a:solidFill>
                   <a:schemeClr val="tx1"/>
                 </a:solidFill>
@@ -6396,7 +6390,7 @@
               <a:t> </a:t>
             </a:r>
             <a:r>
-              <a:rPr lang="en-US" sz="2800" err="1" smtClean="0">
+              <a:rPr lang="en-US" sz="2800" dirty="0" err="1">
                 <a:solidFill>
                   <a:schemeClr val="tx1"/>
                 </a:solidFill>
@@ -6406,7 +6400,7 @@
               <a:t>ngôn</a:t>
             </a:r>
             <a:r>
-              <a:rPr lang="en-US" sz="2800" smtClean="0">
+              <a:rPr lang="en-US" sz="2800" dirty="0">
                 <a:solidFill>
                   <a:schemeClr val="tx1"/>
                 </a:solidFill>
@@ -6416,7 +6410,7 @@
               <a:t> </a:t>
             </a:r>
             <a:r>
-              <a:rPr lang="en-US" sz="2800" err="1" smtClean="0">
+              <a:rPr lang="en-US" sz="2800" dirty="0" err="1">
                 <a:solidFill>
                   <a:schemeClr val="tx1"/>
                 </a:solidFill>
@@ -6425,7 +6419,7 @@
               </a:rPr>
               <a:t>ngữ</a:t>
             </a:r>
-            <a:endParaRPr lang="en-US" sz="2800" smtClean="0">
+            <a:endParaRPr lang="en-US" sz="2800" dirty="0">
               <a:solidFill>
                 <a:schemeClr val="tx1"/>
               </a:solidFill>
@@ -6439,7 +6433,7 @@
               <a:buChar char="-"/>
             </a:pPr>
             <a:r>
-              <a:rPr lang="en-US" sz="2800" err="1" smtClean="0">
+              <a:rPr lang="en-US" sz="2800" dirty="0" err="1">
                 <a:solidFill>
                   <a:schemeClr val="tx1"/>
                 </a:solidFill>
@@ -6449,7 +6443,7 @@
               <a:t>Tìm</a:t>
             </a:r>
             <a:r>
-              <a:rPr lang="en-US" sz="2800" smtClean="0">
+              <a:rPr lang="en-US" sz="2800" dirty="0">
                 <a:solidFill>
                   <a:schemeClr val="tx1"/>
                 </a:solidFill>
@@ -6459,7 +6453,7 @@
               <a:t> DFA </a:t>
             </a:r>
             <a:r>
-              <a:rPr lang="en-US" sz="2800" err="1" smtClean="0">
+              <a:rPr lang="en-US" sz="2800" dirty="0" err="1">
                 <a:solidFill>
                   <a:schemeClr val="tx1"/>
                 </a:solidFill>
@@ -6469,7 +6463,7 @@
               <a:t>và</a:t>
             </a:r>
             <a:r>
-              <a:rPr lang="en-US" sz="2800" smtClean="0">
+              <a:rPr lang="en-US" sz="2800" dirty="0">
                 <a:solidFill>
                   <a:schemeClr val="tx1"/>
                 </a:solidFill>
@@ -6479,7 +6473,7 @@
               <a:t> NFA-</a:t>
             </a:r>
             <a:r>
-              <a:rPr lang="en-US" sz="2800" cap="none" smtClean="0">
+              <a:rPr lang="en-US" sz="2800" cap="none" dirty="0">
                 <a:solidFill>
                   <a:schemeClr val="tx1"/>
                 </a:solidFill>
@@ -6489,7 +6483,7 @@
               <a:t>e</a:t>
             </a:r>
             <a:r>
-              <a:rPr lang="en-US" sz="2800" smtClean="0">
+              <a:rPr lang="en-US" sz="2800" dirty="0">
                 <a:solidFill>
                   <a:schemeClr val="tx1"/>
                 </a:solidFill>
@@ -6499,7 +6493,7 @@
               <a:t> </a:t>
             </a:r>
             <a:r>
-              <a:rPr lang="en-US" sz="2800" err="1" smtClean="0">
+              <a:rPr lang="en-US" sz="2800" dirty="0" err="1">
                 <a:solidFill>
                   <a:schemeClr val="tx1"/>
                 </a:solidFill>
@@ -6509,7 +6503,7 @@
               <a:t>và</a:t>
             </a:r>
             <a:r>
-              <a:rPr lang="en-US" sz="2800" smtClean="0">
+              <a:rPr lang="en-US" sz="2800" dirty="0">
                 <a:solidFill>
                   <a:schemeClr val="tx1"/>
                 </a:solidFill>
@@ -6519,7 +6513,7 @@
               <a:t> </a:t>
             </a:r>
             <a:r>
-              <a:rPr lang="en-US" sz="2800" err="1" smtClean="0">
+              <a:rPr lang="en-US" sz="2800" dirty="0" err="1">
                 <a:solidFill>
                   <a:schemeClr val="tx1"/>
                 </a:solidFill>
@@ -6529,7 +6523,7 @@
               <a:t>Xây</a:t>
             </a:r>
             <a:r>
-              <a:rPr lang="en-US" sz="2800" smtClean="0">
+              <a:rPr lang="en-US" sz="2800" dirty="0">
                 <a:solidFill>
                   <a:schemeClr val="tx1"/>
                 </a:solidFill>
@@ -6539,7 +6533,7 @@
               <a:t> </a:t>
             </a:r>
             <a:r>
-              <a:rPr lang="en-US" sz="2800" err="1" smtClean="0">
+              <a:rPr lang="en-US" sz="2800" dirty="0" err="1">
                 <a:solidFill>
                   <a:schemeClr val="tx1"/>
                 </a:solidFill>
@@ -6549,7 +6543,7 @@
               <a:t>dựng</a:t>
             </a:r>
             <a:r>
-              <a:rPr lang="en-US" sz="2800" smtClean="0">
+              <a:rPr lang="en-US" sz="2800" dirty="0">
                 <a:solidFill>
                   <a:schemeClr val="tx1"/>
                 </a:solidFill>
@@ -6559,7 +6553,7 @@
               <a:t> </a:t>
             </a:r>
             <a:r>
-              <a:rPr lang="en-US" sz="2800" err="1" smtClean="0">
+              <a:rPr lang="en-US" sz="2800" dirty="0" err="1">
                 <a:solidFill>
                   <a:schemeClr val="tx1"/>
                 </a:solidFill>
@@ -6569,7 +6563,7 @@
               <a:t>hệ</a:t>
             </a:r>
             <a:r>
-              <a:rPr lang="en-US" sz="2800" smtClean="0">
+              <a:rPr lang="en-US" sz="2800" dirty="0">
                 <a:solidFill>
                   <a:schemeClr val="tx1"/>
                 </a:solidFill>
@@ -6579,7 +6573,7 @@
               <a:t> </a:t>
             </a:r>
             <a:r>
-              <a:rPr lang="en-US" sz="2800" err="1" smtClean="0">
+              <a:rPr lang="en-US" sz="2800" dirty="0" err="1">
                 <a:solidFill>
                   <a:schemeClr val="tx1"/>
                 </a:solidFill>
@@ -6588,7 +6582,7 @@
               </a:rPr>
               <a:t>thống</a:t>
             </a:r>
-            <a:endParaRPr lang="en-US" sz="2800">
+            <a:endParaRPr lang="en-US" sz="2800" dirty="0">
               <a:solidFill>
                 <a:schemeClr val="tx1"/>
               </a:solidFill>
@@ -6621,51 +6615,87 @@
           <a:lstStyle/>
           <a:p>
             <a:r>
-              <a:rPr lang="en-US" sz="2000" err="1" smtClean="0"/>
+              <a:rPr lang="en-US" sz="2000" dirty="0" err="1">
+                <a:latin typeface="Times New Roman" panose="02020603050405020304" pitchFamily="18" charset="0"/>
+                <a:cs typeface="Times New Roman" panose="02020603050405020304" pitchFamily="18" charset="0"/>
+              </a:rPr>
               <a:t>Sinh</a:t>
             </a:r>
             <a:r>
-              <a:rPr lang="en-US" sz="2000" smtClean="0"/>
+              <a:rPr lang="en-US" sz="2000" dirty="0">
+                <a:latin typeface="Times New Roman" panose="02020603050405020304" pitchFamily="18" charset="0"/>
+                <a:cs typeface="Times New Roman" panose="02020603050405020304" pitchFamily="18" charset="0"/>
+              </a:rPr>
               <a:t> </a:t>
             </a:r>
             <a:r>
-              <a:rPr lang="en-US" sz="2000" err="1" smtClean="0"/>
+              <a:rPr lang="en-US" sz="2000" dirty="0" err="1">
+                <a:latin typeface="Times New Roman" panose="02020603050405020304" pitchFamily="18" charset="0"/>
+                <a:cs typeface="Times New Roman" panose="02020603050405020304" pitchFamily="18" charset="0"/>
+              </a:rPr>
               <a:t>viên</a:t>
             </a:r>
             <a:r>
-              <a:rPr lang="en-US" sz="2000" smtClean="0"/>
+              <a:rPr lang="en-US" sz="2000" dirty="0">
+                <a:latin typeface="Times New Roman" panose="02020603050405020304" pitchFamily="18" charset="0"/>
+                <a:cs typeface="Times New Roman" panose="02020603050405020304" pitchFamily="18" charset="0"/>
+              </a:rPr>
               <a:t> </a:t>
             </a:r>
             <a:r>
-              <a:rPr lang="en-US" sz="2000" err="1" smtClean="0"/>
+              <a:rPr lang="en-US" sz="2000" dirty="0" err="1">
+                <a:latin typeface="Times New Roman" panose="02020603050405020304" pitchFamily="18" charset="0"/>
+                <a:cs typeface="Times New Roman" panose="02020603050405020304" pitchFamily="18" charset="0"/>
+              </a:rPr>
               <a:t>thực</a:t>
             </a:r>
             <a:r>
-              <a:rPr lang="en-US" sz="2000" smtClean="0"/>
+              <a:rPr lang="en-US" sz="2000" dirty="0">
+                <a:latin typeface="Times New Roman" panose="02020603050405020304" pitchFamily="18" charset="0"/>
+                <a:cs typeface="Times New Roman" panose="02020603050405020304" pitchFamily="18" charset="0"/>
+              </a:rPr>
               <a:t> </a:t>
             </a:r>
             <a:r>
-              <a:rPr lang="en-US" sz="2000" err="1" smtClean="0"/>
+              <a:rPr lang="en-US" sz="2000" dirty="0" err="1">
+                <a:latin typeface="Times New Roman" panose="02020603050405020304" pitchFamily="18" charset="0"/>
+                <a:cs typeface="Times New Roman" panose="02020603050405020304" pitchFamily="18" charset="0"/>
+              </a:rPr>
               <a:t>hiện</a:t>
             </a:r>
             <a:r>
-              <a:rPr lang="en-US" sz="2000" smtClean="0"/>
+              <a:rPr lang="en-US" sz="2000" dirty="0">
+                <a:latin typeface="Times New Roman" panose="02020603050405020304" pitchFamily="18" charset="0"/>
+                <a:cs typeface="Times New Roman" panose="02020603050405020304" pitchFamily="18" charset="0"/>
+              </a:rPr>
               <a:t> </a:t>
             </a:r>
             <a:r>
-              <a:rPr lang="en-US" sz="2000" err="1" smtClean="0"/>
+              <a:rPr lang="en-US" sz="2000" dirty="0" err="1">
+                <a:latin typeface="Times New Roman" panose="02020603050405020304" pitchFamily="18" charset="0"/>
+                <a:cs typeface="Times New Roman" panose="02020603050405020304" pitchFamily="18" charset="0"/>
+              </a:rPr>
               <a:t>đề</a:t>
             </a:r>
             <a:r>
-              <a:rPr lang="en-US" sz="2000" smtClean="0"/>
+              <a:rPr lang="en-US" sz="2000" dirty="0">
+                <a:latin typeface="Times New Roman" panose="02020603050405020304" pitchFamily="18" charset="0"/>
+                <a:cs typeface="Times New Roman" panose="02020603050405020304" pitchFamily="18" charset="0"/>
+              </a:rPr>
               <a:t> </a:t>
             </a:r>
             <a:r>
-              <a:rPr lang="en-US" sz="2000" err="1" smtClean="0"/>
+              <a:rPr lang="en-US" sz="2000" dirty="0" err="1">
+                <a:latin typeface="Times New Roman" panose="02020603050405020304" pitchFamily="18" charset="0"/>
+                <a:cs typeface="Times New Roman" panose="02020603050405020304" pitchFamily="18" charset="0"/>
+              </a:rPr>
               <a:t>tài</a:t>
             </a:r>
             <a:r>
-              <a:rPr lang="en-US" sz="2000" smtClean="0"/>
+              <a:rPr lang="en-US" sz="2000" dirty="0">
+                <a:latin typeface="Times New Roman" panose="02020603050405020304" pitchFamily="18" charset="0"/>
+                <a:cs typeface="Times New Roman" panose="02020603050405020304" pitchFamily="18" charset="0"/>
+              </a:rPr>
               <a:t>:</a:t>
             </a:r>
           </a:p>
@@ -6675,8 +6705,46 @@
               <a:buChar char="-"/>
             </a:pPr>
             <a:r>
-              <a:rPr lang="en-US" sz="2000" smtClean="0"/>
-              <a:t>Nguyễn Bá Anh Hào 18004038</a:t>
+              <a:rPr lang="en-US" sz="2000" dirty="0" err="1">
+                <a:latin typeface="Times New Roman" panose="02020603050405020304" pitchFamily="18" charset="0"/>
+                <a:cs typeface="Times New Roman" panose="02020603050405020304" pitchFamily="18" charset="0"/>
+              </a:rPr>
+              <a:t>Nguyễn</a:t>
+            </a:r>
+            <a:r>
+              <a:rPr lang="en-US" sz="2000" dirty="0">
+                <a:latin typeface="Times New Roman" panose="02020603050405020304" pitchFamily="18" charset="0"/>
+                <a:cs typeface="Times New Roman" panose="02020603050405020304" pitchFamily="18" charset="0"/>
+              </a:rPr>
+              <a:t> </a:t>
+            </a:r>
+            <a:r>
+              <a:rPr lang="en-US" sz="2000" dirty="0" err="1">
+                <a:latin typeface="Times New Roman" panose="02020603050405020304" pitchFamily="18" charset="0"/>
+                <a:cs typeface="Times New Roman" panose="02020603050405020304" pitchFamily="18" charset="0"/>
+              </a:rPr>
+              <a:t>Bá</a:t>
+            </a:r>
+            <a:r>
+              <a:rPr lang="en-US" sz="2000" dirty="0">
+                <a:latin typeface="Times New Roman" panose="02020603050405020304" pitchFamily="18" charset="0"/>
+                <a:cs typeface="Times New Roman" panose="02020603050405020304" pitchFamily="18" charset="0"/>
+              </a:rPr>
+              <a:t> Anh </a:t>
+            </a:r>
+            <a:r>
+              <a:rPr lang="en-US" sz="2000" dirty="0" err="1">
+                <a:latin typeface="Times New Roman" panose="02020603050405020304" pitchFamily="18" charset="0"/>
+                <a:cs typeface="Times New Roman" panose="02020603050405020304" pitchFamily="18" charset="0"/>
+              </a:rPr>
+              <a:t>Hào</a:t>
+            </a:r>
+            <a:r>
+              <a:rPr lang="en-US" sz="2000" dirty="0">
+                <a:latin typeface="Times New Roman" panose="02020603050405020304" pitchFamily="18" charset="0"/>
+                <a:cs typeface="Times New Roman" panose="02020603050405020304" pitchFamily="18" charset="0"/>
+              </a:rPr>
+              <a:t> 18004038</a:t>
             </a:r>
           </a:p>
           <a:p>
@@ -6685,27 +6753,45 @@
               <a:buChar char="-"/>
             </a:pPr>
             <a:r>
-              <a:rPr lang="en-US" sz="2000" smtClean="0"/>
-              <a:t>Nguyễn </a:t>
-            </a:r>
-            <a:r>
-              <a:rPr lang="en-US" sz="2000" err="1" smtClean="0"/>
+              <a:rPr lang="en-US" sz="2000" dirty="0" err="1">
+                <a:latin typeface="Times New Roman" panose="02020603050405020304" pitchFamily="18" charset="0"/>
+                <a:cs typeface="Times New Roman" panose="02020603050405020304" pitchFamily="18" charset="0"/>
+              </a:rPr>
+              <a:t>Nguyễn</a:t>
+            </a:r>
+            <a:r>
+              <a:rPr lang="en-US" sz="2000" dirty="0">
+                <a:latin typeface="Times New Roman" panose="02020603050405020304" pitchFamily="18" charset="0"/>
+                <a:cs typeface="Times New Roman" panose="02020603050405020304" pitchFamily="18" charset="0"/>
+              </a:rPr>
+              <a:t> </a:t>
+            </a:r>
+            <a:r>
+              <a:rPr lang="en-US" sz="2000" dirty="0" err="1">
+                <a:latin typeface="Times New Roman" panose="02020603050405020304" pitchFamily="18" charset="0"/>
+                <a:cs typeface="Times New Roman" panose="02020603050405020304" pitchFamily="18" charset="0"/>
+              </a:rPr>
               <a:t>Phạm</a:t>
             </a:r>
             <a:r>
-              <a:rPr lang="en-US" sz="2000"/>
-              <a:t> </a:t>
-            </a:r>
-            <a:r>
-              <a:rPr lang="en-US" sz="2000" smtClean="0"/>
-              <a:t>Anh </a:t>
-            </a:r>
-            <a:r>
-              <a:rPr lang="en-US" sz="2000" err="1" smtClean="0"/>
+              <a:rPr lang="en-US" sz="2000" dirty="0">
+                <a:latin typeface="Times New Roman" panose="02020603050405020304" pitchFamily="18" charset="0"/>
+                <a:cs typeface="Times New Roman" panose="02020603050405020304" pitchFamily="18" charset="0"/>
+              </a:rPr>
+              <a:t> Anh </a:t>
+            </a:r>
+            <a:r>
+              <a:rPr lang="en-US" sz="2000" dirty="0" err="1">
+                <a:latin typeface="Times New Roman" panose="02020603050405020304" pitchFamily="18" charset="0"/>
+                <a:cs typeface="Times New Roman" panose="02020603050405020304" pitchFamily="18" charset="0"/>
+              </a:rPr>
               <a:t>Thư</a:t>
             </a:r>
             <a:r>
-              <a:rPr lang="en-US" sz="2000" smtClean="0"/>
+              <a:rPr lang="en-US" sz="2000" dirty="0">
+                <a:latin typeface="Times New Roman" panose="02020603050405020304" pitchFamily="18" charset="0"/>
+                <a:cs typeface="Times New Roman" panose="02020603050405020304" pitchFamily="18" charset="0"/>
+              </a:rPr>
               <a:t> 18004131</a:t>
             </a:r>
           </a:p>
@@ -6715,30 +6801,40 @@
               <a:buChar char="-"/>
             </a:pPr>
             <a:r>
-              <a:rPr lang="en-US" sz="2000" err="1" smtClean="0"/>
-              <a:t>Trương</a:t>
-            </a:r>
-            <a:r>
-              <a:rPr lang="en-US" sz="2000" smtClean="0"/>
+              <a:rPr lang="en-US" sz="2000" dirty="0">
+                <a:latin typeface="Times New Roman" panose="02020603050405020304" pitchFamily="18" charset="0"/>
+                <a:cs typeface="Times New Roman" panose="02020603050405020304" pitchFamily="18" charset="0"/>
+              </a:rPr>
+              <a:t>Trương </a:t>
+            </a:r>
+            <a:r>
+              <a:rPr lang="en-US" sz="2000" dirty="0" err="1">
+                <a:latin typeface="Times New Roman" panose="02020603050405020304" pitchFamily="18" charset="0"/>
+                <a:cs typeface="Times New Roman" panose="02020603050405020304" pitchFamily="18" charset="0"/>
+              </a:rPr>
+              <a:t>Thành</a:t>
+            </a:r>
+            <a:r>
+              <a:rPr lang="en-US" sz="2000" dirty="0">
+                <a:latin typeface="Times New Roman" panose="02020603050405020304" pitchFamily="18" charset="0"/>
+                <a:cs typeface="Times New Roman" panose="02020603050405020304" pitchFamily="18" charset="0"/>
+              </a:rPr>
               <a:t> </a:t>
             </a:r>
             <a:r>
-              <a:rPr lang="en-US" sz="2000" err="1" smtClean="0"/>
-              <a:t>Thanh</a:t>
-            </a:r>
-            <a:r>
-              <a:rPr lang="en-US" sz="2000" smtClean="0"/>
-              <a:t> </a:t>
-            </a:r>
-            <a:r>
-              <a:rPr lang="en-US" sz="2000" err="1" smtClean="0"/>
+              <a:rPr lang="en-US" sz="2000" dirty="0" err="1">
+                <a:latin typeface="Times New Roman" panose="02020603050405020304" pitchFamily="18" charset="0"/>
+                <a:cs typeface="Times New Roman" panose="02020603050405020304" pitchFamily="18" charset="0"/>
+              </a:rPr>
               <a:t>Khang</a:t>
             </a:r>
             <a:r>
-              <a:rPr lang="en-US" sz="2000" smtClean="0"/>
+              <a:rPr lang="en-US" sz="2000" dirty="0">
+                <a:latin typeface="Times New Roman" panose="02020603050405020304" pitchFamily="18" charset="0"/>
+                <a:cs typeface="Times New Roman" panose="02020603050405020304" pitchFamily="18" charset="0"/>
+              </a:rPr>
               <a:t> 18004054</a:t>
             </a:r>
-            <a:endParaRPr lang="en-US" sz="2000"/>
           </a:p>
         </p:txBody>
       </p:sp>
@@ -6752,13 +6848,6 @@
   <p:clrMapOvr>
     <a:masterClrMapping/>
   </p:clrMapOvr>
-  <p:timing>
-    <p:tnLst>
-      <p:par>
-        <p:cTn id="1" dur="indefinite" restart="never" nodeType="tmRoot"/>
-      </p:par>
-    </p:tnLst>
-  </p:timing>
 </p:sld>
 </file>
 
@@ -6809,14 +6898,11 @@
           <a:lstStyle/>
           <a:p>
             <a:r>
-              <a:rPr lang="en-US" sz="5400" smtClean="0">
+              <a:rPr lang="en-US" sz="5400">
                 <a:latin typeface="+mj-lt"/>
               </a:rPr>
               <a:t>RỖNG</a:t>
             </a:r>
-            <a:endParaRPr lang="en-US" sz="5400">
-              <a:latin typeface="+mj-lt"/>
-            </a:endParaRPr>
           </a:p>
         </p:txBody>
       </p:sp>
@@ -6830,13 +6916,6 @@
   <p:clrMapOvr>
     <a:masterClrMapping/>
   </p:clrMapOvr>
-  <p:timing>
-    <p:tnLst>
-      <p:par>
-        <p:cTn id="1" dur="indefinite" restart="never" nodeType="tmRoot"/>
-      </p:par>
-    </p:tnLst>
-  </p:timing>
 </p:sld>
 </file>
 
@@ -6952,16 +7031,12 @@
           </a:lstStyle>
           <a:p>
             <a:r>
-              <a:rPr lang="en-US" sz="3600" smtClean="0">
+              <a:rPr lang="en-US" sz="3600">
                 <a:latin typeface="Times New Roman" panose="02020603050405020304" pitchFamily="18" charset="0"/>
                 <a:cs typeface="Times New Roman" panose="02020603050405020304" pitchFamily="18" charset="0"/>
               </a:rPr>
               <a:t>I. TÌM HIỂU VỀ AUTOMATA</a:t>
             </a:r>
-            <a:endParaRPr lang="en-US" sz="3600">
-              <a:latin typeface="Times New Roman" panose="02020603050405020304" pitchFamily="18" charset="0"/>
-              <a:cs typeface="Times New Roman" panose="02020603050405020304" pitchFamily="18" charset="0"/>
-            </a:endParaRPr>
           </a:p>
         </p:txBody>
       </p:sp>
@@ -7011,13 +7086,6 @@
   <p:clrMapOvr>
     <a:masterClrMapping/>
   </p:clrMapOvr>
-  <p:timing>
-    <p:tnLst>
-      <p:par>
-        <p:cTn id="1" dur="indefinite" restart="never" nodeType="tmRoot"/>
-      </p:par>
-    </p:tnLst>
-  </p:timing>
 </p:sld>
 </file>
 
@@ -7133,16 +7201,12 @@
           </a:lstStyle>
           <a:p>
             <a:r>
-              <a:rPr lang="en-US" sz="3600" smtClean="0">
+              <a:rPr lang="en-US" sz="3600">
                 <a:latin typeface="Times New Roman" panose="02020603050405020304" pitchFamily="18" charset="0"/>
                 <a:cs typeface="Times New Roman" panose="02020603050405020304" pitchFamily="18" charset="0"/>
               </a:rPr>
               <a:t>I. TÌM HIỂU VỀ AUTOMATA</a:t>
             </a:r>
-            <a:endParaRPr lang="en-US" sz="3600">
-              <a:latin typeface="Times New Roman" panose="02020603050405020304" pitchFamily="18" charset="0"/>
-              <a:cs typeface="Times New Roman" panose="02020603050405020304" pitchFamily="18" charset="0"/>
-            </a:endParaRPr>
           </a:p>
         </p:txBody>
       </p:sp>
@@ -7293,14 +7357,11 @@
           </a:lstStyle>
           <a:p>
             <a:r>
-              <a:rPr lang="en-US" sz="3600" smtClean="0">
+              <a:rPr lang="en-US" sz="3600">
                 <a:latin typeface="Times New Roman (Headings)"/>
               </a:rPr>
               <a:t>1.1 DFA</a:t>
             </a:r>
-            <a:endParaRPr lang="en-US" sz="3600">
-              <a:latin typeface="Times New Roman (Headings)"/>
-            </a:endParaRPr>
           </a:p>
         </p:txBody>
       </p:sp>
@@ -7314,13 +7375,6 @@
   <p:clrMapOvr>
     <a:masterClrMapping/>
   </p:clrMapOvr>
-  <p:timing>
-    <p:tnLst>
-      <p:par>
-        <p:cTn id="1" dur="indefinite" restart="never" nodeType="tmRoot"/>
-      </p:par>
-    </p:tnLst>
-  </p:timing>
 </p:sld>
 </file>
 
@@ -7436,16 +7490,12 @@
           </a:lstStyle>
           <a:p>
             <a:r>
-              <a:rPr lang="en-US" sz="3600" smtClean="0">
+              <a:rPr lang="en-US" sz="3600">
                 <a:latin typeface="Times New Roman" panose="02020603050405020304" pitchFamily="18" charset="0"/>
                 <a:cs typeface="Times New Roman" panose="02020603050405020304" pitchFamily="18" charset="0"/>
               </a:rPr>
               <a:t>I. TÌM HIỂU VỀ AUTOMATA</a:t>
             </a:r>
-            <a:endParaRPr lang="en-US" sz="3600">
-              <a:latin typeface="Times New Roman" panose="02020603050405020304" pitchFamily="18" charset="0"/>
-              <a:cs typeface="Times New Roman" panose="02020603050405020304" pitchFamily="18" charset="0"/>
-            </a:endParaRPr>
           </a:p>
         </p:txBody>
       </p:sp>
@@ -7475,7 +7525,7 @@
           <a:lstStyle/>
           <a:p>
             <a:r>
-              <a:rPr lang="vi-VN" sz="2400" cap="none">
+              <a:rPr lang="vi-VN" sz="2400" cap="none" dirty="0">
                 <a:solidFill>
                   <a:schemeClr val="tx1"/>
                 </a:solidFill>
@@ -7485,7 +7535,7 @@
           </a:p>
           <a:p>
             <a:r>
-              <a:rPr lang="vi-VN" sz="2400" cap="none">
+              <a:rPr lang="vi-VN" sz="2400" cap="none" dirty="0">
                 <a:solidFill>
                   <a:schemeClr val="tx1"/>
                 </a:solidFill>
@@ -7493,7 +7543,7 @@
               <a:t>phần (Q, </a:t>
             </a:r>
             <a:r>
-              <a:rPr lang="el-GR" sz="2400" cap="none">
+              <a:rPr lang="el-GR" sz="2400" cap="none" dirty="0">
                 <a:solidFill>
                   <a:schemeClr val="tx1"/>
                 </a:solidFill>
@@ -7501,7 +7551,7 @@
               <a:t>Σ, δ, </a:t>
             </a:r>
             <a:r>
-              <a:rPr lang="vi-VN" sz="2400" cap="none">
+              <a:rPr lang="vi-VN" sz="2400" cap="none" dirty="0">
                 <a:solidFill>
                   <a:schemeClr val="tx1"/>
                 </a:solidFill>
@@ -7511,7 +7561,7 @@
           </a:p>
           <a:p>
             <a:r>
-              <a:rPr lang="vi-VN" sz="2400" cap="none">
+              <a:rPr lang="vi-VN" sz="2400" cap="none" dirty="0">
                 <a:solidFill>
                   <a:schemeClr val="tx1"/>
                 </a:solidFill>
@@ -7521,7 +7571,7 @@
           </a:p>
           <a:p>
             <a:r>
-              <a:rPr lang="vi-VN" sz="2400" cap="none">
+              <a:rPr lang="vi-VN" sz="2400" cap="none" dirty="0">
                 <a:solidFill>
                   <a:schemeClr val="tx1"/>
                 </a:solidFill>
@@ -7529,7 +7579,7 @@
               <a:t>▪	</a:t>
             </a:r>
             <a:r>
-              <a:rPr lang="el-GR" sz="2400" cap="none">
+              <a:rPr lang="el-GR" sz="2400" cap="none" dirty="0">
                 <a:solidFill>
                   <a:schemeClr val="tx1"/>
                 </a:solidFill>
@@ -7537,7 +7587,7 @@
               <a:t>Σ </a:t>
             </a:r>
             <a:r>
-              <a:rPr lang="vi-VN" sz="2400" cap="none">
+              <a:rPr lang="vi-VN" sz="2400" cap="none" dirty="0">
                 <a:solidFill>
                   <a:schemeClr val="tx1"/>
                 </a:solidFill>
@@ -7547,7 +7597,7 @@
           </a:p>
           <a:p>
             <a:r>
-              <a:rPr lang="vi-VN" sz="2400" cap="none">
+              <a:rPr lang="vi-VN" sz="2400" cap="none" dirty="0">
                 <a:solidFill>
                   <a:schemeClr val="tx1"/>
                 </a:solidFill>
@@ -7555,7 +7605,7 @@
               <a:t>▪	</a:t>
             </a:r>
             <a:r>
-              <a:rPr lang="el-GR" sz="2400" cap="none">
+              <a:rPr lang="el-GR" sz="2400" cap="none" dirty="0">
                 <a:solidFill>
                   <a:schemeClr val="tx1"/>
                 </a:solidFill>
@@ -7563,7 +7613,7 @@
               <a:t>δ </a:t>
             </a:r>
             <a:r>
-              <a:rPr lang="vi-VN" sz="2400" cap="none">
+              <a:rPr lang="vi-VN" sz="2400" cap="none" dirty="0">
                 <a:solidFill>
                   <a:schemeClr val="tx1"/>
                 </a:solidFill>
@@ -7571,7 +7621,7 @@
               <a:t>là hàm chuyển ánh xạ từ Q × </a:t>
             </a:r>
             <a:r>
-              <a:rPr lang="el-GR" sz="2400" cap="none">
+              <a:rPr lang="el-GR" sz="2400" cap="none" dirty="0">
                 <a:solidFill>
                   <a:schemeClr val="tx1"/>
                 </a:solidFill>
@@ -7579,7 +7629,7 @@
               <a:t>Σ → </a:t>
             </a:r>
             <a:r>
-              <a:rPr lang="vi-VN" sz="2400" cap="none">
+              <a:rPr lang="vi-VN" sz="2400" cap="none" dirty="0">
                 <a:solidFill>
                   <a:schemeClr val="tx1"/>
                 </a:solidFill>
@@ -7587,7 +7637,7 @@
               <a:t>Q, tức là </a:t>
             </a:r>
             <a:r>
-              <a:rPr lang="el-GR" sz="2400" cap="none">
+              <a:rPr lang="el-GR" sz="2400" cap="none" dirty="0">
                 <a:solidFill>
                   <a:schemeClr val="tx1"/>
                 </a:solidFill>
@@ -7595,7 +7645,7 @@
               <a:t>δ(</a:t>
             </a:r>
             <a:r>
-              <a:rPr lang="vi-VN" sz="2400" cap="none">
+              <a:rPr lang="vi-VN" sz="2400" cap="none" dirty="0">
                 <a:solidFill>
                   <a:schemeClr val="tx1"/>
                 </a:solidFill>
@@ -7605,7 +7655,7 @@
           </a:p>
           <a:p>
             <a:r>
-              <a:rPr lang="vi-VN" sz="2400" cap="none">
+              <a:rPr lang="vi-VN" sz="2400" cap="none" dirty="0">
                 <a:solidFill>
                   <a:schemeClr val="tx1"/>
                 </a:solidFill>
@@ -7615,7 +7665,7 @@
           </a:p>
           <a:p>
             <a:r>
-              <a:rPr lang="vi-VN" sz="2400" cap="none">
+              <a:rPr lang="vi-VN" sz="2400" cap="none" dirty="0">
                 <a:solidFill>
                   <a:schemeClr val="tx1"/>
                 </a:solidFill>
@@ -7624,7 +7674,7 @@
             </a:r>
           </a:p>
           <a:p>
-            <a:endParaRPr lang="vi-VN" sz="2400" cap="none">
+            <a:endParaRPr lang="vi-VN" sz="2400" cap="none" dirty="0">
               <a:solidFill>
                 <a:schemeClr val="tx1"/>
               </a:solidFill>
@@ -7727,14 +7777,11 @@
           </a:lstStyle>
           <a:p>
             <a:r>
-              <a:rPr lang="en-US" sz="3600" smtClean="0">
+              <a:rPr lang="en-US" sz="3600">
                 <a:latin typeface="Times New Roman (Headings)"/>
               </a:rPr>
               <a:t>1.2 Giới thiệu</a:t>
             </a:r>
-            <a:endParaRPr lang="en-US" sz="3600">
-              <a:latin typeface="Times New Roman (Headings)"/>
-            </a:endParaRPr>
           </a:p>
         </p:txBody>
       </p:sp>
@@ -7748,13 +7795,6 @@
   <p:clrMapOvr>
     <a:masterClrMapping/>
   </p:clrMapOvr>
-  <p:timing>
-    <p:tnLst>
-      <p:par>
-        <p:cTn id="1" dur="indefinite" restart="never" nodeType="tmRoot"/>
-      </p:par>
-    </p:tnLst>
-  </p:timing>
 </p:sld>
 </file>
 
@@ -7870,16 +7910,12 @@
           </a:lstStyle>
           <a:p>
             <a:r>
-              <a:rPr lang="en-US" sz="3600" smtClean="0">
+              <a:rPr lang="en-US" sz="3600">
                 <a:latin typeface="Times New Roman" panose="02020603050405020304" pitchFamily="18" charset="0"/>
                 <a:cs typeface="Times New Roman" panose="02020603050405020304" pitchFamily="18" charset="0"/>
               </a:rPr>
               <a:t>I. TÌM HIỂU VỀ AUTOMATA</a:t>
             </a:r>
-            <a:endParaRPr lang="en-US" sz="3600">
-              <a:latin typeface="Times New Roman" panose="02020603050405020304" pitchFamily="18" charset="0"/>
-              <a:cs typeface="Times New Roman" panose="02020603050405020304" pitchFamily="18" charset="0"/>
-            </a:endParaRPr>
           </a:p>
         </p:txBody>
       </p:sp>
@@ -8096,13 +8132,6 @@
   <p:clrMapOvr>
     <a:masterClrMapping/>
   </p:clrMapOvr>
-  <p:timing>
-    <p:tnLst>
-      <p:par>
-        <p:cTn id="1" dur="indefinite" restart="never" nodeType="tmRoot"/>
-      </p:par>
-    </p:tnLst>
-  </p:timing>
 </p:sld>
 </file>
 
@@ -8218,16 +8247,12 @@
           </a:lstStyle>
           <a:p>
             <a:r>
-              <a:rPr lang="en-US" sz="3600" smtClean="0">
+              <a:rPr lang="en-US" sz="3600">
                 <a:latin typeface="Times New Roman" panose="02020603050405020304" pitchFamily="18" charset="0"/>
                 <a:cs typeface="Times New Roman" panose="02020603050405020304" pitchFamily="18" charset="0"/>
               </a:rPr>
               <a:t>I. TÌM HIỂU VỀ AUTOMATA</a:t>
             </a:r>
-            <a:endParaRPr lang="en-US" sz="3600">
-              <a:latin typeface="Times New Roman" panose="02020603050405020304" pitchFamily="18" charset="0"/>
-              <a:cs typeface="Times New Roman" panose="02020603050405020304" pitchFamily="18" charset="0"/>
-            </a:endParaRPr>
           </a:p>
         </p:txBody>
       </p:sp>
@@ -8391,13 +8416,6 @@
   <p:clrMapOvr>
     <a:masterClrMapping/>
   </p:clrMapOvr>
-  <p:timing>
-    <p:tnLst>
-      <p:par>
-        <p:cTn id="1" dur="indefinite" restart="never" nodeType="tmRoot"/>
-      </p:par>
-    </p:tnLst>
-  </p:timing>
 </p:sld>
 </file>
 
@@ -8513,16 +8531,12 @@
           </a:lstStyle>
           <a:p>
             <a:r>
-              <a:rPr lang="en-US" sz="3600" smtClean="0">
+              <a:rPr lang="en-US" sz="3600">
                 <a:latin typeface="Times New Roman" panose="02020603050405020304" pitchFamily="18" charset="0"/>
                 <a:cs typeface="Times New Roman" panose="02020603050405020304" pitchFamily="18" charset="0"/>
               </a:rPr>
               <a:t>I. TÌM HIỂU VỀ AUTOMATA</a:t>
             </a:r>
-            <a:endParaRPr lang="en-US" sz="3600">
-              <a:latin typeface="Times New Roman" panose="02020603050405020304" pitchFamily="18" charset="0"/>
-              <a:cs typeface="Times New Roman" panose="02020603050405020304" pitchFamily="18" charset="0"/>
-            </a:endParaRPr>
           </a:p>
         </p:txBody>
       </p:sp>
@@ -8647,21 +8661,8 @@
                   <a:schemeClr val="tx1"/>
                 </a:solidFill>
               </a:rPr>
-              <a:t>q, a) là tập hợp tất cả các trạng thái p sao cho có phép chuyển trên nhãn a từ trạng thái q tới p</a:t>
-            </a:r>
-            <a:r>
-              <a:rPr lang="vi-VN" sz="2400" cap="none" smtClean="0">
-                <a:solidFill>
-                  <a:schemeClr val="tx1"/>
-                </a:solidFill>
-              </a:rPr>
-              <a:t>.</a:t>
-            </a:r>
-            <a:endParaRPr lang="vi-VN" sz="2400" cap="none">
-              <a:solidFill>
-                <a:schemeClr val="tx1"/>
-              </a:solidFill>
-            </a:endParaRPr>
+              <a:t>q, a) là tập hợp tất cả các trạng thái p sao cho có phép chuyển trên nhãn a từ trạng thái q tới p.</a:t>
+            </a:r>
           </a:p>
         </p:txBody>
       </p:sp>
@@ -8760,16 +8761,12 @@
           </a:lstStyle>
           <a:p>
             <a:r>
-              <a:rPr lang="en-US" sz="3600" smtClean="0">
+              <a:rPr lang="en-US" sz="3600">
                 <a:latin typeface="Times New Roman" panose="02020603050405020304" pitchFamily="18" charset="0"/>
                 <a:cs typeface="Times New Roman" panose="02020603050405020304" pitchFamily="18" charset="0"/>
               </a:rPr>
               <a:t>2.2 Giới thiệu</a:t>
             </a:r>
-            <a:endParaRPr lang="en-US" sz="3600">
-              <a:latin typeface="Times New Roman" panose="02020603050405020304" pitchFamily="18" charset="0"/>
-              <a:cs typeface="Times New Roman" panose="02020603050405020304" pitchFamily="18" charset="0"/>
-            </a:endParaRPr>
           </a:p>
         </p:txBody>
       </p:sp>
@@ -8783,13 +8780,6 @@
   <p:clrMapOvr>
     <a:masterClrMapping/>
   </p:clrMapOvr>
-  <p:timing>
-    <p:tnLst>
-      <p:par>
-        <p:cTn id="1" dur="indefinite" restart="never" nodeType="tmRoot"/>
-      </p:par>
-    </p:tnLst>
-  </p:timing>
 </p:sld>
 </file>
 
@@ -8905,16 +8895,12 @@
           </a:lstStyle>
           <a:p>
             <a:r>
-              <a:rPr lang="en-US" sz="3600" smtClean="0">
+              <a:rPr lang="en-US" sz="3600">
                 <a:latin typeface="Times New Roman" panose="02020603050405020304" pitchFamily="18" charset="0"/>
                 <a:cs typeface="Times New Roman" panose="02020603050405020304" pitchFamily="18" charset="0"/>
               </a:rPr>
               <a:t>I. TÌM HIỂU VỀ AUTOMATA</a:t>
             </a:r>
-            <a:endParaRPr lang="en-US" sz="3600">
-              <a:latin typeface="Times New Roman" panose="02020603050405020304" pitchFamily="18" charset="0"/>
-              <a:cs typeface="Times New Roman" panose="02020603050405020304" pitchFamily="18" charset="0"/>
-            </a:endParaRPr>
           </a:p>
         </p:txBody>
       </p:sp>
@@ -9013,16 +8999,12 @@
           </a:lstStyle>
           <a:p>
             <a:r>
-              <a:rPr lang="en-US" sz="3600" smtClean="0">
+              <a:rPr lang="en-US" sz="3600">
                 <a:latin typeface="Times New Roman" panose="02020603050405020304" pitchFamily="18" charset="0"/>
                 <a:cs typeface="Times New Roman" panose="02020603050405020304" pitchFamily="18" charset="0"/>
               </a:rPr>
               <a:t>2.3 Hàm chuyển trạng thái mở rộng</a:t>
             </a:r>
-            <a:endParaRPr lang="en-US" sz="3600">
-              <a:latin typeface="Times New Roman" panose="02020603050405020304" pitchFamily="18" charset="0"/>
-              <a:cs typeface="Times New Roman" panose="02020603050405020304" pitchFamily="18" charset="0"/>
-            </a:endParaRPr>
           </a:p>
         </p:txBody>
       </p:sp>
@@ -9082,13 +9064,7 @@
               <a:rPr lang="vi-VN" sz="2400">
                 <a:latin typeface="+mj-lt"/>
               </a:rPr>
-              <a:t>δ(q, ε) = {</a:t>
-            </a:r>
-            <a:r>
-              <a:rPr lang="vi-VN" sz="2400" smtClean="0">
-                <a:latin typeface="+mj-lt"/>
-              </a:rPr>
-              <a:t>q}</a:t>
+              <a:t>δ(q, ε) = {q}</a:t>
             </a:r>
             <a:endParaRPr lang="en-US" sz="2400">
               <a:latin typeface="+mj-lt"/>
@@ -9100,22 +9076,10 @@
               <a:buChar char="•"/>
             </a:pPr>
             <a:r>
-              <a:rPr lang="vi-VN" sz="2400" smtClean="0">
-                <a:latin typeface="+mj-lt"/>
-              </a:rPr>
-              <a:t>δ(q</a:t>
-            </a:r>
-            <a:r>
               <a:rPr lang="vi-VN" sz="2400">
                 <a:latin typeface="+mj-lt"/>
               </a:rPr>
-              <a:t>, wa) = { p | có một trạng thái r trong δ(q, w) mà p thuộc δ(r, a</a:t>
-            </a:r>
-            <a:r>
-              <a:rPr lang="vi-VN" sz="2400" smtClean="0">
-                <a:latin typeface="+mj-lt"/>
-              </a:rPr>
-              <a:t>)}</a:t>
+              <a:t>δ(q, wa) = { p | có một trạng thái r trong δ(q, w) mà p thuộc δ(r, a)}</a:t>
             </a:r>
             <a:r>
               <a:rPr lang="en-US" sz="2400">
@@ -9124,22 +9088,10 @@
               <a:t> </a:t>
             </a:r>
             <a:r>
-              <a:rPr lang="vi-VN" sz="2400" smtClean="0">
-                <a:latin typeface="+mj-lt"/>
-              </a:rPr>
-              <a:t>= </a:t>
-            </a:r>
-            <a:r>
               <a:rPr lang="vi-VN" sz="2400">
                 <a:latin typeface="+mj-lt"/>
               </a:rPr>
-              <a:t>δ(δ(q, w), </a:t>
-            </a:r>
-            <a:r>
-              <a:rPr lang="vi-VN" sz="2400" smtClean="0">
-                <a:latin typeface="+mj-lt"/>
-              </a:rPr>
-              <a:t>a)</a:t>
+              <a:t>= δ(δ(q, w), a)</a:t>
             </a:r>
             <a:endParaRPr lang="en-US" sz="2400">
               <a:latin typeface="+mj-lt"/>
@@ -9151,16 +9103,10 @@
               <a:buChar char="•"/>
             </a:pPr>
             <a:r>
-              <a:rPr lang="vi-VN" sz="2400" smtClean="0">
-                <a:latin typeface="+mj-lt"/>
-              </a:rPr>
-              <a:t>δ(P</a:t>
-            </a:r>
-            <a:r>
               <a:rPr lang="vi-VN" sz="2400">
                 <a:latin typeface="+mj-lt"/>
               </a:rPr>
-              <a:t>, w) = uq ∈ P δ(q, w), "P c Q Ngôn ngữ được chấp nhận bởi NFA</a:t>
+              <a:t>δ(P, w) = uq ∈ P δ(q, w), "P c Q Ngôn ngữ được chấp nhận bởi NFA</a:t>
             </a:r>
             <a:endParaRPr lang="en-US" sz="2400">
               <a:latin typeface="+mj-lt"/>
@@ -9172,13 +9118,7 @@
               <a:rPr lang="vi-VN" sz="2400">
                 <a:latin typeface="+mj-lt"/>
               </a:rPr>
-              <a:t>Ngôn ngữ L(M), với M là ôtômát hữu hạn không đơn định NFA (Q, Σ, δ, q0, F) là tập hợp: L(M) = {w | δ(q0, w) có chứa một trạng thái trong F </a:t>
-            </a:r>
-            <a:r>
-              <a:rPr lang="vi-VN" sz="2400" smtClean="0">
-                <a:latin typeface="+mj-lt"/>
-              </a:rPr>
-              <a:t>}</a:t>
+              <a:t>Ngôn ngữ L(M), với M là ôtômát hữu hạn không đơn định NFA (Q, Σ, δ, q0, F) là tập hợp: L(M) = {w | δ(q0, w) có chứa một trạng thái trong F }</a:t>
             </a:r>
             <a:endParaRPr lang="en-US" sz="2400">
               <a:latin typeface="+mj-lt"/>
@@ -9196,13 +9136,6 @@
   <p:clrMapOvr>
     <a:masterClrMapping/>
   </p:clrMapOvr>
-  <p:timing>
-    <p:tnLst>
-      <p:par>
-        <p:cTn id="1" dur="indefinite" restart="never" nodeType="tmRoot"/>
-      </p:par>
-    </p:tnLst>
-  </p:timing>
 </p:sld>
 </file>
 
@@ -9318,16 +9251,12 @@
           </a:lstStyle>
           <a:p>
             <a:r>
-              <a:rPr lang="en-US" sz="3600" smtClean="0">
+              <a:rPr lang="en-US" sz="3600">
                 <a:latin typeface="Times New Roman" panose="02020603050405020304" pitchFamily="18" charset="0"/>
                 <a:cs typeface="Times New Roman" panose="02020603050405020304" pitchFamily="18" charset="0"/>
               </a:rPr>
               <a:t>I. TÌM HIỂU VỀ AUTOMATA</a:t>
             </a:r>
-            <a:endParaRPr lang="en-US" sz="3600">
-              <a:latin typeface="Times New Roman" panose="02020603050405020304" pitchFamily="18" charset="0"/>
-              <a:cs typeface="Times New Roman" panose="02020603050405020304" pitchFamily="18" charset="0"/>
-            </a:endParaRPr>
           </a:p>
         </p:txBody>
       </p:sp>
@@ -9426,16 +9355,12 @@
           </a:lstStyle>
           <a:p>
             <a:r>
-              <a:rPr lang="en-US" sz="3600" smtClean="0">
+              <a:rPr lang="en-US" sz="3600">
                 <a:latin typeface="Times New Roman" panose="02020603050405020304" pitchFamily="18" charset="0"/>
                 <a:cs typeface="Times New Roman" panose="02020603050405020304" pitchFamily="18" charset="0"/>
               </a:rPr>
               <a:t>3. Sự tương đương giữa DFA và NFA</a:t>
             </a:r>
-            <a:endParaRPr lang="en-US" sz="3600">
-              <a:latin typeface="Times New Roman" panose="02020603050405020304" pitchFamily="18" charset="0"/>
-              <a:cs typeface="Times New Roman" panose="02020603050405020304" pitchFamily="18" charset="0"/>
-            </a:endParaRPr>
           </a:p>
         </p:txBody>
       </p:sp>
@@ -9501,13 +9426,6 @@
   <p:clrMapOvr>
     <a:masterClrMapping/>
   </p:clrMapOvr>
-  <p:timing>
-    <p:tnLst>
-      <p:par>
-        <p:cTn id="1" dur="indefinite" restart="never" nodeType="tmRoot"/>
-      </p:par>
-    </p:tnLst>
-  </p:timing>
 </p:sld>
 </file>
 
